--- a/ppt 16-9/0322.赐我圣经.pptx
+++ b/ppt 16-9/0322.赐我圣经.pptx
@@ -5,7 +5,7 @@
     <p:sldMasterId id="2147483648" r:id="rId1"/>
   </p:sldMasterIdLst>
   <p:sldIdLst>
-    <p:sldId id="3211" r:id="rId2"/>
+    <p:sldId id="3213" r:id="rId2"/>
   </p:sldIdLst>
   <p:sldSz cx="12192000" cy="6858000"/>
   <p:notesSz cx="6858000" cy="9144000"/>
@@ -129,7 +129,7 @@
           <p:cNvPr id="2" name="标题 1">
             <a:extLst>
               <a:ext uri="{FF2B5EF4-FFF2-40B4-BE49-F238E27FC236}">
-                <a16:creationId xmlns:a16="http://schemas.microsoft.com/office/drawing/2014/main" id="{72196402-F144-9A05-3576-5A26F45F9606}"/>
+                <a16:creationId xmlns:a16="http://schemas.microsoft.com/office/drawing/2014/main" id="{C698C866-A7AB-107F-51C9-294E994B95B8}"/>
               </a:ext>
             </a:extLst>
           </p:cNvPr>
@@ -166,7 +166,7 @@
           <p:cNvPr id="3" name="副标题 2">
             <a:extLst>
               <a:ext uri="{FF2B5EF4-FFF2-40B4-BE49-F238E27FC236}">
-                <a16:creationId xmlns:a16="http://schemas.microsoft.com/office/drawing/2014/main" id="{9129BA5F-15E3-3FE2-48D2-B750E3DB247A}"/>
+                <a16:creationId xmlns:a16="http://schemas.microsoft.com/office/drawing/2014/main" id="{5B6D6AFD-957C-A1A3-0698-ECC48C99AEC1}"/>
               </a:ext>
             </a:extLst>
           </p:cNvPr>
@@ -236,7 +236,7 @@
           <p:cNvPr id="4" name="日期占位符 3">
             <a:extLst>
               <a:ext uri="{FF2B5EF4-FFF2-40B4-BE49-F238E27FC236}">
-                <a16:creationId xmlns:a16="http://schemas.microsoft.com/office/drawing/2014/main" id="{B8A7A0A4-23CE-7C90-37EA-EF42CA104945}"/>
+                <a16:creationId xmlns:a16="http://schemas.microsoft.com/office/drawing/2014/main" id="{9CF68B6F-6301-FEA9-60FC-AE0D1F577BCA}"/>
               </a:ext>
             </a:extLst>
           </p:cNvPr>
@@ -252,7 +252,7 @@
           <a:bodyPr/>
           <a:lstStyle/>
           <a:p>
-            <a:fld id="{5E5CC060-C9C6-4055-984A-A6BEF8A3E462}" type="datetimeFigureOut">
+            <a:fld id="{C9EADE5E-1D11-4406-8AE1-0248CC22CFC1}" type="datetimeFigureOut">
               <a:rPr lang="zh-CN" altLang="en-US" smtClean="0"/>
               <a:t>2024/3/10</a:t>
             </a:fld>
@@ -265,7 +265,7 @@
           <p:cNvPr id="5" name="页脚占位符 4">
             <a:extLst>
               <a:ext uri="{FF2B5EF4-FFF2-40B4-BE49-F238E27FC236}">
-                <a16:creationId xmlns:a16="http://schemas.microsoft.com/office/drawing/2014/main" id="{834DF661-6660-9A39-623C-17ED5DADBB40}"/>
+                <a16:creationId xmlns:a16="http://schemas.microsoft.com/office/drawing/2014/main" id="{4A95BB96-469D-451A-2FC7-095DDC0618A6}"/>
               </a:ext>
             </a:extLst>
           </p:cNvPr>
@@ -290,7 +290,7 @@
           <p:cNvPr id="6" name="灯片编号占位符 5">
             <a:extLst>
               <a:ext uri="{FF2B5EF4-FFF2-40B4-BE49-F238E27FC236}">
-                <a16:creationId xmlns:a16="http://schemas.microsoft.com/office/drawing/2014/main" id="{20794184-A38F-7AC5-1B49-472E27F71673}"/>
+                <a16:creationId xmlns:a16="http://schemas.microsoft.com/office/drawing/2014/main" id="{B91322F9-CFC5-CF49-7BC6-182F46495672}"/>
               </a:ext>
             </a:extLst>
           </p:cNvPr>
@@ -306,7 +306,7 @@
           <a:bodyPr/>
           <a:lstStyle/>
           <a:p>
-            <a:fld id="{518E3721-F7D6-426E-BCFC-052B419EE919}" type="slidenum">
+            <a:fld id="{5644EF4D-34D1-4024-AFA2-9D9A844FD90C}" type="slidenum">
               <a:rPr lang="zh-CN" altLang="en-US" smtClean="0"/>
               <a:t>‹#›</a:t>
             </a:fld>
@@ -317,7 +317,7 @@
     </p:spTree>
     <p:extLst>
       <p:ext uri="{BB962C8B-B14F-4D97-AF65-F5344CB8AC3E}">
-        <p14:creationId xmlns:p14="http://schemas.microsoft.com/office/powerpoint/2010/main" val="2225974380"/>
+        <p14:creationId xmlns:p14="http://schemas.microsoft.com/office/powerpoint/2010/main" val="2029872216"/>
       </p:ext>
     </p:extLst>
   </p:cSld>
@@ -349,7 +349,7 @@
           <p:cNvPr id="2" name="标题 1">
             <a:extLst>
               <a:ext uri="{FF2B5EF4-FFF2-40B4-BE49-F238E27FC236}">
-                <a16:creationId xmlns:a16="http://schemas.microsoft.com/office/drawing/2014/main" id="{FFCE27C4-8B4E-B9DF-555A-AE63A9645E7F}"/>
+                <a16:creationId xmlns:a16="http://schemas.microsoft.com/office/drawing/2014/main" id="{E4BAE26E-A593-F08F-436E-5D627830D865}"/>
               </a:ext>
             </a:extLst>
           </p:cNvPr>
@@ -377,7 +377,7 @@
           <p:cNvPr id="3" name="竖排文字占位符 2">
             <a:extLst>
               <a:ext uri="{FF2B5EF4-FFF2-40B4-BE49-F238E27FC236}">
-                <a16:creationId xmlns:a16="http://schemas.microsoft.com/office/drawing/2014/main" id="{2CCE4B79-DFDA-C848-F5C2-EF1DC56C74F7}"/>
+                <a16:creationId xmlns:a16="http://schemas.microsoft.com/office/drawing/2014/main" id="{8A64FAF9-9BFD-00EE-FFB3-1C371F480127}"/>
               </a:ext>
             </a:extLst>
           </p:cNvPr>
@@ -434,7 +434,7 @@
           <p:cNvPr id="4" name="日期占位符 3">
             <a:extLst>
               <a:ext uri="{FF2B5EF4-FFF2-40B4-BE49-F238E27FC236}">
-                <a16:creationId xmlns:a16="http://schemas.microsoft.com/office/drawing/2014/main" id="{C8C52991-25DC-54FA-F8CF-AC8B4B5AE3C0}"/>
+                <a16:creationId xmlns:a16="http://schemas.microsoft.com/office/drawing/2014/main" id="{F53093FB-3B9D-65DB-8FBE-5F705BEE1143}"/>
               </a:ext>
             </a:extLst>
           </p:cNvPr>
@@ -450,7 +450,7 @@
           <a:bodyPr/>
           <a:lstStyle/>
           <a:p>
-            <a:fld id="{5E5CC060-C9C6-4055-984A-A6BEF8A3E462}" type="datetimeFigureOut">
+            <a:fld id="{C9EADE5E-1D11-4406-8AE1-0248CC22CFC1}" type="datetimeFigureOut">
               <a:rPr lang="zh-CN" altLang="en-US" smtClean="0"/>
               <a:t>2024/3/10</a:t>
             </a:fld>
@@ -463,7 +463,7 @@
           <p:cNvPr id="5" name="页脚占位符 4">
             <a:extLst>
               <a:ext uri="{FF2B5EF4-FFF2-40B4-BE49-F238E27FC236}">
-                <a16:creationId xmlns:a16="http://schemas.microsoft.com/office/drawing/2014/main" id="{D51E3277-9C8B-0052-03A1-CECA9BC3B4BE}"/>
+                <a16:creationId xmlns:a16="http://schemas.microsoft.com/office/drawing/2014/main" id="{FC89AB48-2926-82E1-6E49-80BC231E5C4A}"/>
               </a:ext>
             </a:extLst>
           </p:cNvPr>
@@ -488,7 +488,7 @@
           <p:cNvPr id="6" name="灯片编号占位符 5">
             <a:extLst>
               <a:ext uri="{FF2B5EF4-FFF2-40B4-BE49-F238E27FC236}">
-                <a16:creationId xmlns:a16="http://schemas.microsoft.com/office/drawing/2014/main" id="{56169758-CF99-C559-7134-3C359F0B7D85}"/>
+                <a16:creationId xmlns:a16="http://schemas.microsoft.com/office/drawing/2014/main" id="{F4080297-2C7C-0167-B1ED-A529E08DF6E2}"/>
               </a:ext>
             </a:extLst>
           </p:cNvPr>
@@ -504,7 +504,7 @@
           <a:bodyPr/>
           <a:lstStyle/>
           <a:p>
-            <a:fld id="{518E3721-F7D6-426E-BCFC-052B419EE919}" type="slidenum">
+            <a:fld id="{5644EF4D-34D1-4024-AFA2-9D9A844FD90C}" type="slidenum">
               <a:rPr lang="zh-CN" altLang="en-US" smtClean="0"/>
               <a:t>‹#›</a:t>
             </a:fld>
@@ -515,7 +515,7 @@
     </p:spTree>
     <p:extLst>
       <p:ext uri="{BB962C8B-B14F-4D97-AF65-F5344CB8AC3E}">
-        <p14:creationId xmlns:p14="http://schemas.microsoft.com/office/powerpoint/2010/main" val="2103024877"/>
+        <p14:creationId xmlns:p14="http://schemas.microsoft.com/office/powerpoint/2010/main" val="1460977673"/>
       </p:ext>
     </p:extLst>
   </p:cSld>
@@ -547,7 +547,7 @@
           <p:cNvPr id="2" name="竖排标题 1">
             <a:extLst>
               <a:ext uri="{FF2B5EF4-FFF2-40B4-BE49-F238E27FC236}">
-                <a16:creationId xmlns:a16="http://schemas.microsoft.com/office/drawing/2014/main" id="{ABDEBD98-49F7-7F5C-B0DB-C979B6568BD3}"/>
+                <a16:creationId xmlns:a16="http://schemas.microsoft.com/office/drawing/2014/main" id="{2C7350E0-63DC-32C8-6D7D-F81747DF666C}"/>
               </a:ext>
             </a:extLst>
           </p:cNvPr>
@@ -580,7 +580,7 @@
           <p:cNvPr id="3" name="竖排文字占位符 2">
             <a:extLst>
               <a:ext uri="{FF2B5EF4-FFF2-40B4-BE49-F238E27FC236}">
-                <a16:creationId xmlns:a16="http://schemas.microsoft.com/office/drawing/2014/main" id="{B5134AC9-7D73-4F13-FF6A-8902F31C3EB0}"/>
+                <a16:creationId xmlns:a16="http://schemas.microsoft.com/office/drawing/2014/main" id="{1F6C3DED-401E-9779-F778-1BEB7BB5C512}"/>
               </a:ext>
             </a:extLst>
           </p:cNvPr>
@@ -642,7 +642,7 @@
           <p:cNvPr id="4" name="日期占位符 3">
             <a:extLst>
               <a:ext uri="{FF2B5EF4-FFF2-40B4-BE49-F238E27FC236}">
-                <a16:creationId xmlns:a16="http://schemas.microsoft.com/office/drawing/2014/main" id="{65891FD6-A000-028B-90C5-3A956D490E4E}"/>
+                <a16:creationId xmlns:a16="http://schemas.microsoft.com/office/drawing/2014/main" id="{539F2304-0FD4-527C-100D-671CCD77BA83}"/>
               </a:ext>
             </a:extLst>
           </p:cNvPr>
@@ -658,7 +658,7 @@
           <a:bodyPr/>
           <a:lstStyle/>
           <a:p>
-            <a:fld id="{5E5CC060-C9C6-4055-984A-A6BEF8A3E462}" type="datetimeFigureOut">
+            <a:fld id="{C9EADE5E-1D11-4406-8AE1-0248CC22CFC1}" type="datetimeFigureOut">
               <a:rPr lang="zh-CN" altLang="en-US" smtClean="0"/>
               <a:t>2024/3/10</a:t>
             </a:fld>
@@ -671,7 +671,7 @@
           <p:cNvPr id="5" name="页脚占位符 4">
             <a:extLst>
               <a:ext uri="{FF2B5EF4-FFF2-40B4-BE49-F238E27FC236}">
-                <a16:creationId xmlns:a16="http://schemas.microsoft.com/office/drawing/2014/main" id="{EE39411A-82EE-DAF4-F123-CBDA6C29DDCB}"/>
+                <a16:creationId xmlns:a16="http://schemas.microsoft.com/office/drawing/2014/main" id="{6D6EEE08-F725-F143-F789-AA51E2122008}"/>
               </a:ext>
             </a:extLst>
           </p:cNvPr>
@@ -696,7 +696,7 @@
           <p:cNvPr id="6" name="灯片编号占位符 5">
             <a:extLst>
               <a:ext uri="{FF2B5EF4-FFF2-40B4-BE49-F238E27FC236}">
-                <a16:creationId xmlns:a16="http://schemas.microsoft.com/office/drawing/2014/main" id="{FCED17B0-CE4D-22F5-8594-3B550C65DDF6}"/>
+                <a16:creationId xmlns:a16="http://schemas.microsoft.com/office/drawing/2014/main" id="{64A74462-66D8-18EE-B81B-3ED648A3E12D}"/>
               </a:ext>
             </a:extLst>
           </p:cNvPr>
@@ -712,7 +712,7 @@
           <a:bodyPr/>
           <a:lstStyle/>
           <a:p>
-            <a:fld id="{518E3721-F7D6-426E-BCFC-052B419EE919}" type="slidenum">
+            <a:fld id="{5644EF4D-34D1-4024-AFA2-9D9A844FD90C}" type="slidenum">
               <a:rPr lang="zh-CN" altLang="en-US" smtClean="0"/>
               <a:t>‹#›</a:t>
             </a:fld>
@@ -723,7 +723,7 @@
     </p:spTree>
     <p:extLst>
       <p:ext uri="{BB962C8B-B14F-4D97-AF65-F5344CB8AC3E}">
-        <p14:creationId xmlns:p14="http://schemas.microsoft.com/office/powerpoint/2010/main" val="911129708"/>
+        <p14:creationId xmlns:p14="http://schemas.microsoft.com/office/powerpoint/2010/main" val="2824638843"/>
       </p:ext>
     </p:extLst>
   </p:cSld>
@@ -755,7 +755,7 @@
           <p:cNvPr id="2" name="标题 1">
             <a:extLst>
               <a:ext uri="{FF2B5EF4-FFF2-40B4-BE49-F238E27FC236}">
-                <a16:creationId xmlns:a16="http://schemas.microsoft.com/office/drawing/2014/main" id="{13F3A421-6E1B-C94C-EAE4-A39963C9A754}"/>
+                <a16:creationId xmlns:a16="http://schemas.microsoft.com/office/drawing/2014/main" id="{B5F3E098-90D8-CB70-2597-49881EC90BC7}"/>
               </a:ext>
             </a:extLst>
           </p:cNvPr>
@@ -783,7 +783,7 @@
           <p:cNvPr id="3" name="内容占位符 2">
             <a:extLst>
               <a:ext uri="{FF2B5EF4-FFF2-40B4-BE49-F238E27FC236}">
-                <a16:creationId xmlns:a16="http://schemas.microsoft.com/office/drawing/2014/main" id="{257CDC44-91DC-8378-7F36-F71808C5BA05}"/>
+                <a16:creationId xmlns:a16="http://schemas.microsoft.com/office/drawing/2014/main" id="{83AA1C63-3868-A8F9-C2C3-205AF8542ECF}"/>
               </a:ext>
             </a:extLst>
           </p:cNvPr>
@@ -840,7 +840,7 @@
           <p:cNvPr id="4" name="日期占位符 3">
             <a:extLst>
               <a:ext uri="{FF2B5EF4-FFF2-40B4-BE49-F238E27FC236}">
-                <a16:creationId xmlns:a16="http://schemas.microsoft.com/office/drawing/2014/main" id="{A19B7481-7144-EF42-2812-E7FF5C56CF09}"/>
+                <a16:creationId xmlns:a16="http://schemas.microsoft.com/office/drawing/2014/main" id="{41D45620-6258-99CA-2782-F7491A6CDCE4}"/>
               </a:ext>
             </a:extLst>
           </p:cNvPr>
@@ -856,7 +856,7 @@
           <a:bodyPr/>
           <a:lstStyle/>
           <a:p>
-            <a:fld id="{5E5CC060-C9C6-4055-984A-A6BEF8A3E462}" type="datetimeFigureOut">
+            <a:fld id="{C9EADE5E-1D11-4406-8AE1-0248CC22CFC1}" type="datetimeFigureOut">
               <a:rPr lang="zh-CN" altLang="en-US" smtClean="0"/>
               <a:t>2024/3/10</a:t>
             </a:fld>
@@ -869,7 +869,7 @@
           <p:cNvPr id="5" name="页脚占位符 4">
             <a:extLst>
               <a:ext uri="{FF2B5EF4-FFF2-40B4-BE49-F238E27FC236}">
-                <a16:creationId xmlns:a16="http://schemas.microsoft.com/office/drawing/2014/main" id="{C529F641-B33B-BBF3-70D3-7E1C7BECA702}"/>
+                <a16:creationId xmlns:a16="http://schemas.microsoft.com/office/drawing/2014/main" id="{3452D7AE-C486-07B7-55E7-7ED973221170}"/>
               </a:ext>
             </a:extLst>
           </p:cNvPr>
@@ -894,7 +894,7 @@
           <p:cNvPr id="6" name="灯片编号占位符 5">
             <a:extLst>
               <a:ext uri="{FF2B5EF4-FFF2-40B4-BE49-F238E27FC236}">
-                <a16:creationId xmlns:a16="http://schemas.microsoft.com/office/drawing/2014/main" id="{12B19C51-984D-62D1-8CC7-1DEC60C2A806}"/>
+                <a16:creationId xmlns:a16="http://schemas.microsoft.com/office/drawing/2014/main" id="{E20FE7D0-AC73-09FD-2FC9-7D31F77B32E0}"/>
               </a:ext>
             </a:extLst>
           </p:cNvPr>
@@ -910,7 +910,7 @@
           <a:bodyPr/>
           <a:lstStyle/>
           <a:p>
-            <a:fld id="{518E3721-F7D6-426E-BCFC-052B419EE919}" type="slidenum">
+            <a:fld id="{5644EF4D-34D1-4024-AFA2-9D9A844FD90C}" type="slidenum">
               <a:rPr lang="zh-CN" altLang="en-US" smtClean="0"/>
               <a:t>‹#›</a:t>
             </a:fld>
@@ -921,7 +921,7 @@
     </p:spTree>
     <p:extLst>
       <p:ext uri="{BB962C8B-B14F-4D97-AF65-F5344CB8AC3E}">
-        <p14:creationId xmlns:p14="http://schemas.microsoft.com/office/powerpoint/2010/main" val="3531957079"/>
+        <p14:creationId xmlns:p14="http://schemas.microsoft.com/office/powerpoint/2010/main" val="2031873745"/>
       </p:ext>
     </p:extLst>
   </p:cSld>
@@ -953,7 +953,7 @@
           <p:cNvPr id="2" name="标题 1">
             <a:extLst>
               <a:ext uri="{FF2B5EF4-FFF2-40B4-BE49-F238E27FC236}">
-                <a16:creationId xmlns:a16="http://schemas.microsoft.com/office/drawing/2014/main" id="{6880D068-362D-20A1-C050-289F1FAA992E}"/>
+                <a16:creationId xmlns:a16="http://schemas.microsoft.com/office/drawing/2014/main" id="{B43754B7-EC0E-D4C3-BEC1-423B1E9072D8}"/>
               </a:ext>
             </a:extLst>
           </p:cNvPr>
@@ -990,7 +990,7 @@
           <p:cNvPr id="3" name="文本占位符 2">
             <a:extLst>
               <a:ext uri="{FF2B5EF4-FFF2-40B4-BE49-F238E27FC236}">
-                <a16:creationId xmlns:a16="http://schemas.microsoft.com/office/drawing/2014/main" id="{CBBF4A77-2D2F-7262-9FB4-3FEB4ADD5D07}"/>
+                <a16:creationId xmlns:a16="http://schemas.microsoft.com/office/drawing/2014/main" id="{18046513-2FFA-6EFE-6D52-BE1CF41A35F1}"/>
               </a:ext>
             </a:extLst>
           </p:cNvPr>
@@ -1115,7 +1115,7 @@
           <p:cNvPr id="4" name="日期占位符 3">
             <a:extLst>
               <a:ext uri="{FF2B5EF4-FFF2-40B4-BE49-F238E27FC236}">
-                <a16:creationId xmlns:a16="http://schemas.microsoft.com/office/drawing/2014/main" id="{3A09AC5E-C345-D56F-8CF5-B2A249A70FCC}"/>
+                <a16:creationId xmlns:a16="http://schemas.microsoft.com/office/drawing/2014/main" id="{D2269F6D-D04F-BC75-3BA1-959E9E683DB9}"/>
               </a:ext>
             </a:extLst>
           </p:cNvPr>
@@ -1131,7 +1131,7 @@
           <a:bodyPr/>
           <a:lstStyle/>
           <a:p>
-            <a:fld id="{5E5CC060-C9C6-4055-984A-A6BEF8A3E462}" type="datetimeFigureOut">
+            <a:fld id="{C9EADE5E-1D11-4406-8AE1-0248CC22CFC1}" type="datetimeFigureOut">
               <a:rPr lang="zh-CN" altLang="en-US" smtClean="0"/>
               <a:t>2024/3/10</a:t>
             </a:fld>
@@ -1144,7 +1144,7 @@
           <p:cNvPr id="5" name="页脚占位符 4">
             <a:extLst>
               <a:ext uri="{FF2B5EF4-FFF2-40B4-BE49-F238E27FC236}">
-                <a16:creationId xmlns:a16="http://schemas.microsoft.com/office/drawing/2014/main" id="{20CD1165-CCB2-2FCD-D83A-EABCFAEE50A0}"/>
+                <a16:creationId xmlns:a16="http://schemas.microsoft.com/office/drawing/2014/main" id="{2E367EA2-CB8D-7A0D-4BA5-4943619040EA}"/>
               </a:ext>
             </a:extLst>
           </p:cNvPr>
@@ -1169,7 +1169,7 @@
           <p:cNvPr id="6" name="灯片编号占位符 5">
             <a:extLst>
               <a:ext uri="{FF2B5EF4-FFF2-40B4-BE49-F238E27FC236}">
-                <a16:creationId xmlns:a16="http://schemas.microsoft.com/office/drawing/2014/main" id="{9BB88527-525D-BB6C-4E11-5915111651F6}"/>
+                <a16:creationId xmlns:a16="http://schemas.microsoft.com/office/drawing/2014/main" id="{6FF54253-E0C6-DC9D-D28B-34985EEF3F26}"/>
               </a:ext>
             </a:extLst>
           </p:cNvPr>
@@ -1185,7 +1185,7 @@
           <a:bodyPr/>
           <a:lstStyle/>
           <a:p>
-            <a:fld id="{518E3721-F7D6-426E-BCFC-052B419EE919}" type="slidenum">
+            <a:fld id="{5644EF4D-34D1-4024-AFA2-9D9A844FD90C}" type="slidenum">
               <a:rPr lang="zh-CN" altLang="en-US" smtClean="0"/>
               <a:t>‹#›</a:t>
             </a:fld>
@@ -1196,7 +1196,7 @@
     </p:spTree>
     <p:extLst>
       <p:ext uri="{BB962C8B-B14F-4D97-AF65-F5344CB8AC3E}">
-        <p14:creationId xmlns:p14="http://schemas.microsoft.com/office/powerpoint/2010/main" val="4089349521"/>
+        <p14:creationId xmlns:p14="http://schemas.microsoft.com/office/powerpoint/2010/main" val="2484048104"/>
       </p:ext>
     </p:extLst>
   </p:cSld>
@@ -1228,7 +1228,7 @@
           <p:cNvPr id="2" name="标题 1">
             <a:extLst>
               <a:ext uri="{FF2B5EF4-FFF2-40B4-BE49-F238E27FC236}">
-                <a16:creationId xmlns:a16="http://schemas.microsoft.com/office/drawing/2014/main" id="{0184779D-0FD0-9C2D-B9BC-4D0580B2098E}"/>
+                <a16:creationId xmlns:a16="http://schemas.microsoft.com/office/drawing/2014/main" id="{B201C2D1-A5A4-5CF4-00F0-7E94ADEEDAA0}"/>
               </a:ext>
             </a:extLst>
           </p:cNvPr>
@@ -1256,7 +1256,7 @@
           <p:cNvPr id="3" name="内容占位符 2">
             <a:extLst>
               <a:ext uri="{FF2B5EF4-FFF2-40B4-BE49-F238E27FC236}">
-                <a16:creationId xmlns:a16="http://schemas.microsoft.com/office/drawing/2014/main" id="{192974F8-B3E7-421A-2C8A-C570AC2D2257}"/>
+                <a16:creationId xmlns:a16="http://schemas.microsoft.com/office/drawing/2014/main" id="{7940C8E7-29D8-EEC4-54A4-F1F91D6370A1}"/>
               </a:ext>
             </a:extLst>
           </p:cNvPr>
@@ -1318,7 +1318,7 @@
           <p:cNvPr id="4" name="内容占位符 3">
             <a:extLst>
               <a:ext uri="{FF2B5EF4-FFF2-40B4-BE49-F238E27FC236}">
-                <a16:creationId xmlns:a16="http://schemas.microsoft.com/office/drawing/2014/main" id="{1EAC037D-5D65-B40C-6FD3-B3DC200AE706}"/>
+                <a16:creationId xmlns:a16="http://schemas.microsoft.com/office/drawing/2014/main" id="{8CCFDC4E-22F2-322A-5F9B-BB4F4588BA91}"/>
               </a:ext>
             </a:extLst>
           </p:cNvPr>
@@ -1380,7 +1380,7 @@
           <p:cNvPr id="5" name="日期占位符 4">
             <a:extLst>
               <a:ext uri="{FF2B5EF4-FFF2-40B4-BE49-F238E27FC236}">
-                <a16:creationId xmlns:a16="http://schemas.microsoft.com/office/drawing/2014/main" id="{1E51609E-D3AE-9C60-8370-938079503080}"/>
+                <a16:creationId xmlns:a16="http://schemas.microsoft.com/office/drawing/2014/main" id="{9EE02049-4A53-701A-8B12-B1D99DF4B68F}"/>
               </a:ext>
             </a:extLst>
           </p:cNvPr>
@@ -1396,7 +1396,7 @@
           <a:bodyPr/>
           <a:lstStyle/>
           <a:p>
-            <a:fld id="{5E5CC060-C9C6-4055-984A-A6BEF8A3E462}" type="datetimeFigureOut">
+            <a:fld id="{C9EADE5E-1D11-4406-8AE1-0248CC22CFC1}" type="datetimeFigureOut">
               <a:rPr lang="zh-CN" altLang="en-US" smtClean="0"/>
               <a:t>2024/3/10</a:t>
             </a:fld>
@@ -1409,7 +1409,7 @@
           <p:cNvPr id="6" name="页脚占位符 5">
             <a:extLst>
               <a:ext uri="{FF2B5EF4-FFF2-40B4-BE49-F238E27FC236}">
-                <a16:creationId xmlns:a16="http://schemas.microsoft.com/office/drawing/2014/main" id="{87C52D9E-2664-5383-FADA-90035C73CEE8}"/>
+                <a16:creationId xmlns:a16="http://schemas.microsoft.com/office/drawing/2014/main" id="{06A9FEEC-99BD-03FC-2C47-F89BA088351F}"/>
               </a:ext>
             </a:extLst>
           </p:cNvPr>
@@ -1434,7 +1434,7 @@
           <p:cNvPr id="7" name="灯片编号占位符 6">
             <a:extLst>
               <a:ext uri="{FF2B5EF4-FFF2-40B4-BE49-F238E27FC236}">
-                <a16:creationId xmlns:a16="http://schemas.microsoft.com/office/drawing/2014/main" id="{ED4F7D87-F9D7-7415-6F20-6B7F4E767DCC}"/>
+                <a16:creationId xmlns:a16="http://schemas.microsoft.com/office/drawing/2014/main" id="{D9DE1235-71E9-9703-3E2D-888F3ABC624C}"/>
               </a:ext>
             </a:extLst>
           </p:cNvPr>
@@ -1450,7 +1450,7 @@
           <a:bodyPr/>
           <a:lstStyle/>
           <a:p>
-            <a:fld id="{518E3721-F7D6-426E-BCFC-052B419EE919}" type="slidenum">
+            <a:fld id="{5644EF4D-34D1-4024-AFA2-9D9A844FD90C}" type="slidenum">
               <a:rPr lang="zh-CN" altLang="en-US" smtClean="0"/>
               <a:t>‹#›</a:t>
             </a:fld>
@@ -1461,7 +1461,7 @@
     </p:spTree>
     <p:extLst>
       <p:ext uri="{BB962C8B-B14F-4D97-AF65-F5344CB8AC3E}">
-        <p14:creationId xmlns:p14="http://schemas.microsoft.com/office/powerpoint/2010/main" val="444821116"/>
+        <p14:creationId xmlns:p14="http://schemas.microsoft.com/office/powerpoint/2010/main" val="2393066347"/>
       </p:ext>
     </p:extLst>
   </p:cSld>
@@ -1493,7 +1493,7 @@
           <p:cNvPr id="2" name="标题 1">
             <a:extLst>
               <a:ext uri="{FF2B5EF4-FFF2-40B4-BE49-F238E27FC236}">
-                <a16:creationId xmlns:a16="http://schemas.microsoft.com/office/drawing/2014/main" id="{2D4289BC-39D9-2337-499E-AC16DE8C787B}"/>
+                <a16:creationId xmlns:a16="http://schemas.microsoft.com/office/drawing/2014/main" id="{51F12F1A-9290-147C-138C-B8DFB4E9E70B}"/>
               </a:ext>
             </a:extLst>
           </p:cNvPr>
@@ -1526,7 +1526,7 @@
           <p:cNvPr id="3" name="文本占位符 2">
             <a:extLst>
               <a:ext uri="{FF2B5EF4-FFF2-40B4-BE49-F238E27FC236}">
-                <a16:creationId xmlns:a16="http://schemas.microsoft.com/office/drawing/2014/main" id="{5B5508D2-C92C-A84A-C5D1-B6BFAFD8C4D3}"/>
+                <a16:creationId xmlns:a16="http://schemas.microsoft.com/office/drawing/2014/main" id="{E6C91EC5-08B6-F968-2FED-898598AF5112}"/>
               </a:ext>
             </a:extLst>
           </p:cNvPr>
@@ -1597,7 +1597,7 @@
           <p:cNvPr id="4" name="内容占位符 3">
             <a:extLst>
               <a:ext uri="{FF2B5EF4-FFF2-40B4-BE49-F238E27FC236}">
-                <a16:creationId xmlns:a16="http://schemas.microsoft.com/office/drawing/2014/main" id="{4500E893-0684-E921-4034-A6E575A3F651}"/>
+                <a16:creationId xmlns:a16="http://schemas.microsoft.com/office/drawing/2014/main" id="{16F319FB-AB6B-E7AA-6F0F-E89EA856E384}"/>
               </a:ext>
             </a:extLst>
           </p:cNvPr>
@@ -1659,7 +1659,7 @@
           <p:cNvPr id="5" name="文本占位符 4">
             <a:extLst>
               <a:ext uri="{FF2B5EF4-FFF2-40B4-BE49-F238E27FC236}">
-                <a16:creationId xmlns:a16="http://schemas.microsoft.com/office/drawing/2014/main" id="{D3B3DB99-0263-519A-69A3-89F1CEFD27D4}"/>
+                <a16:creationId xmlns:a16="http://schemas.microsoft.com/office/drawing/2014/main" id="{E2A75F19-A9C1-C8CF-449D-CBB9154D7F15}"/>
               </a:ext>
             </a:extLst>
           </p:cNvPr>
@@ -1730,7 +1730,7 @@
           <p:cNvPr id="6" name="内容占位符 5">
             <a:extLst>
               <a:ext uri="{FF2B5EF4-FFF2-40B4-BE49-F238E27FC236}">
-                <a16:creationId xmlns:a16="http://schemas.microsoft.com/office/drawing/2014/main" id="{20360FAA-8DAC-ADA0-92AF-06F08BBA3C8B}"/>
+                <a16:creationId xmlns:a16="http://schemas.microsoft.com/office/drawing/2014/main" id="{932A1AC1-DFB4-77A3-4CC2-C9C2ED1325EC}"/>
               </a:ext>
             </a:extLst>
           </p:cNvPr>
@@ -1792,7 +1792,7 @@
           <p:cNvPr id="7" name="日期占位符 6">
             <a:extLst>
               <a:ext uri="{FF2B5EF4-FFF2-40B4-BE49-F238E27FC236}">
-                <a16:creationId xmlns:a16="http://schemas.microsoft.com/office/drawing/2014/main" id="{D42BF25E-7F03-2469-D0C7-574E434487FC}"/>
+                <a16:creationId xmlns:a16="http://schemas.microsoft.com/office/drawing/2014/main" id="{3500C6D1-34C4-B46B-CB09-E19CAB28EA4D}"/>
               </a:ext>
             </a:extLst>
           </p:cNvPr>
@@ -1808,7 +1808,7 @@
           <a:bodyPr/>
           <a:lstStyle/>
           <a:p>
-            <a:fld id="{5E5CC060-C9C6-4055-984A-A6BEF8A3E462}" type="datetimeFigureOut">
+            <a:fld id="{C9EADE5E-1D11-4406-8AE1-0248CC22CFC1}" type="datetimeFigureOut">
               <a:rPr lang="zh-CN" altLang="en-US" smtClean="0"/>
               <a:t>2024/3/10</a:t>
             </a:fld>
@@ -1821,7 +1821,7 @@
           <p:cNvPr id="8" name="页脚占位符 7">
             <a:extLst>
               <a:ext uri="{FF2B5EF4-FFF2-40B4-BE49-F238E27FC236}">
-                <a16:creationId xmlns:a16="http://schemas.microsoft.com/office/drawing/2014/main" id="{C4F4CAF2-7B48-0AE0-40C8-0C57D9A81CBB}"/>
+                <a16:creationId xmlns:a16="http://schemas.microsoft.com/office/drawing/2014/main" id="{728953DB-ACBB-E1C3-1DE6-CAA19B167893}"/>
               </a:ext>
             </a:extLst>
           </p:cNvPr>
@@ -1846,7 +1846,7 @@
           <p:cNvPr id="9" name="灯片编号占位符 8">
             <a:extLst>
               <a:ext uri="{FF2B5EF4-FFF2-40B4-BE49-F238E27FC236}">
-                <a16:creationId xmlns:a16="http://schemas.microsoft.com/office/drawing/2014/main" id="{97D689B9-4AD2-05E1-9D13-B4DE6FB5401D}"/>
+                <a16:creationId xmlns:a16="http://schemas.microsoft.com/office/drawing/2014/main" id="{AB6789CC-7E34-E482-3FF9-D5E46600FF14}"/>
               </a:ext>
             </a:extLst>
           </p:cNvPr>
@@ -1862,7 +1862,7 @@
           <a:bodyPr/>
           <a:lstStyle/>
           <a:p>
-            <a:fld id="{518E3721-F7D6-426E-BCFC-052B419EE919}" type="slidenum">
+            <a:fld id="{5644EF4D-34D1-4024-AFA2-9D9A844FD90C}" type="slidenum">
               <a:rPr lang="zh-CN" altLang="en-US" smtClean="0"/>
               <a:t>‹#›</a:t>
             </a:fld>
@@ -1873,7 +1873,7 @@
     </p:spTree>
     <p:extLst>
       <p:ext uri="{BB962C8B-B14F-4D97-AF65-F5344CB8AC3E}">
-        <p14:creationId xmlns:p14="http://schemas.microsoft.com/office/powerpoint/2010/main" val="1662510926"/>
+        <p14:creationId xmlns:p14="http://schemas.microsoft.com/office/powerpoint/2010/main" val="15987086"/>
       </p:ext>
     </p:extLst>
   </p:cSld>
@@ -1905,7 +1905,7 @@
           <p:cNvPr id="2" name="标题 1">
             <a:extLst>
               <a:ext uri="{FF2B5EF4-FFF2-40B4-BE49-F238E27FC236}">
-                <a16:creationId xmlns:a16="http://schemas.microsoft.com/office/drawing/2014/main" id="{2BF238E4-3A79-E0FD-9DB2-82620AF5B95F}"/>
+                <a16:creationId xmlns:a16="http://schemas.microsoft.com/office/drawing/2014/main" id="{B6D02911-35AC-A32D-B488-9360783EDD35}"/>
               </a:ext>
             </a:extLst>
           </p:cNvPr>
@@ -1933,7 +1933,7 @@
           <p:cNvPr id="3" name="日期占位符 2">
             <a:extLst>
               <a:ext uri="{FF2B5EF4-FFF2-40B4-BE49-F238E27FC236}">
-                <a16:creationId xmlns:a16="http://schemas.microsoft.com/office/drawing/2014/main" id="{7A66C75D-7032-D4BA-05F7-1EDCB61142AE}"/>
+                <a16:creationId xmlns:a16="http://schemas.microsoft.com/office/drawing/2014/main" id="{F31BA766-E717-8ED1-43A1-0B0B19D4247C}"/>
               </a:ext>
             </a:extLst>
           </p:cNvPr>
@@ -1949,7 +1949,7 @@
           <a:bodyPr/>
           <a:lstStyle/>
           <a:p>
-            <a:fld id="{5E5CC060-C9C6-4055-984A-A6BEF8A3E462}" type="datetimeFigureOut">
+            <a:fld id="{C9EADE5E-1D11-4406-8AE1-0248CC22CFC1}" type="datetimeFigureOut">
               <a:rPr lang="zh-CN" altLang="en-US" smtClean="0"/>
               <a:t>2024/3/10</a:t>
             </a:fld>
@@ -1962,7 +1962,7 @@
           <p:cNvPr id="4" name="页脚占位符 3">
             <a:extLst>
               <a:ext uri="{FF2B5EF4-FFF2-40B4-BE49-F238E27FC236}">
-                <a16:creationId xmlns:a16="http://schemas.microsoft.com/office/drawing/2014/main" id="{E6A95DB0-CD50-771D-D5A5-FC43FF50714F}"/>
+                <a16:creationId xmlns:a16="http://schemas.microsoft.com/office/drawing/2014/main" id="{5758213E-81B2-7204-DB7E-0182A0B646F2}"/>
               </a:ext>
             </a:extLst>
           </p:cNvPr>
@@ -1987,7 +1987,7 @@
           <p:cNvPr id="5" name="灯片编号占位符 4">
             <a:extLst>
               <a:ext uri="{FF2B5EF4-FFF2-40B4-BE49-F238E27FC236}">
-                <a16:creationId xmlns:a16="http://schemas.microsoft.com/office/drawing/2014/main" id="{EDB5EDF7-34E4-A000-FCEA-2C25322A4F8B}"/>
+                <a16:creationId xmlns:a16="http://schemas.microsoft.com/office/drawing/2014/main" id="{A2B07E7A-D205-18D8-8753-02C22EDF0E79}"/>
               </a:ext>
             </a:extLst>
           </p:cNvPr>
@@ -2003,7 +2003,7 @@
           <a:bodyPr/>
           <a:lstStyle/>
           <a:p>
-            <a:fld id="{518E3721-F7D6-426E-BCFC-052B419EE919}" type="slidenum">
+            <a:fld id="{5644EF4D-34D1-4024-AFA2-9D9A844FD90C}" type="slidenum">
               <a:rPr lang="zh-CN" altLang="en-US" smtClean="0"/>
               <a:t>‹#›</a:t>
             </a:fld>
@@ -2014,7 +2014,7 @@
     </p:spTree>
     <p:extLst>
       <p:ext uri="{BB962C8B-B14F-4D97-AF65-F5344CB8AC3E}">
-        <p14:creationId xmlns:p14="http://schemas.microsoft.com/office/powerpoint/2010/main" val="1738213741"/>
+        <p14:creationId xmlns:p14="http://schemas.microsoft.com/office/powerpoint/2010/main" val="1388451407"/>
       </p:ext>
     </p:extLst>
   </p:cSld>
@@ -2046,7 +2046,7 @@
           <p:cNvPr id="2" name="日期占位符 1">
             <a:extLst>
               <a:ext uri="{FF2B5EF4-FFF2-40B4-BE49-F238E27FC236}">
-                <a16:creationId xmlns:a16="http://schemas.microsoft.com/office/drawing/2014/main" id="{5D97BFF8-3DFF-2A47-2345-ABEB9BD7B7E0}"/>
+                <a16:creationId xmlns:a16="http://schemas.microsoft.com/office/drawing/2014/main" id="{EC36EE75-084C-0282-616B-08D093838C54}"/>
               </a:ext>
             </a:extLst>
           </p:cNvPr>
@@ -2062,7 +2062,7 @@
           <a:bodyPr/>
           <a:lstStyle/>
           <a:p>
-            <a:fld id="{5E5CC060-C9C6-4055-984A-A6BEF8A3E462}" type="datetimeFigureOut">
+            <a:fld id="{C9EADE5E-1D11-4406-8AE1-0248CC22CFC1}" type="datetimeFigureOut">
               <a:rPr lang="zh-CN" altLang="en-US" smtClean="0"/>
               <a:t>2024/3/10</a:t>
             </a:fld>
@@ -2075,7 +2075,7 @@
           <p:cNvPr id="3" name="页脚占位符 2">
             <a:extLst>
               <a:ext uri="{FF2B5EF4-FFF2-40B4-BE49-F238E27FC236}">
-                <a16:creationId xmlns:a16="http://schemas.microsoft.com/office/drawing/2014/main" id="{1181BC04-3D83-C370-1289-EF2D12F89F23}"/>
+                <a16:creationId xmlns:a16="http://schemas.microsoft.com/office/drawing/2014/main" id="{687413B0-2B04-FC37-A3DD-8CE94B4BA0A5}"/>
               </a:ext>
             </a:extLst>
           </p:cNvPr>
@@ -2100,7 +2100,7 @@
           <p:cNvPr id="4" name="灯片编号占位符 3">
             <a:extLst>
               <a:ext uri="{FF2B5EF4-FFF2-40B4-BE49-F238E27FC236}">
-                <a16:creationId xmlns:a16="http://schemas.microsoft.com/office/drawing/2014/main" id="{C54BF433-3857-6842-58E6-EF89BBEE0DC5}"/>
+                <a16:creationId xmlns:a16="http://schemas.microsoft.com/office/drawing/2014/main" id="{573DC5AA-195B-A48C-1C60-806B445F99B3}"/>
               </a:ext>
             </a:extLst>
           </p:cNvPr>
@@ -2116,7 +2116,7 @@
           <a:bodyPr/>
           <a:lstStyle/>
           <a:p>
-            <a:fld id="{518E3721-F7D6-426E-BCFC-052B419EE919}" type="slidenum">
+            <a:fld id="{5644EF4D-34D1-4024-AFA2-9D9A844FD90C}" type="slidenum">
               <a:rPr lang="zh-CN" altLang="en-US" smtClean="0"/>
               <a:t>‹#›</a:t>
             </a:fld>
@@ -2127,7 +2127,7 @@
     </p:spTree>
     <p:extLst>
       <p:ext uri="{BB962C8B-B14F-4D97-AF65-F5344CB8AC3E}">
-        <p14:creationId xmlns:p14="http://schemas.microsoft.com/office/powerpoint/2010/main" val="2065434353"/>
+        <p14:creationId xmlns:p14="http://schemas.microsoft.com/office/powerpoint/2010/main" val="2907996248"/>
       </p:ext>
     </p:extLst>
   </p:cSld>
@@ -2159,7 +2159,7 @@
           <p:cNvPr id="2" name="标题 1">
             <a:extLst>
               <a:ext uri="{FF2B5EF4-FFF2-40B4-BE49-F238E27FC236}">
-                <a16:creationId xmlns:a16="http://schemas.microsoft.com/office/drawing/2014/main" id="{FF979CDD-095E-209F-80FF-FD5704170330}"/>
+                <a16:creationId xmlns:a16="http://schemas.microsoft.com/office/drawing/2014/main" id="{451EB038-259C-F3F5-3B14-3DBCA3115F19}"/>
               </a:ext>
             </a:extLst>
           </p:cNvPr>
@@ -2196,7 +2196,7 @@
           <p:cNvPr id="3" name="内容占位符 2">
             <a:extLst>
               <a:ext uri="{FF2B5EF4-FFF2-40B4-BE49-F238E27FC236}">
-                <a16:creationId xmlns:a16="http://schemas.microsoft.com/office/drawing/2014/main" id="{2F227989-B980-D98F-6B2A-46A8E1D884C1}"/>
+                <a16:creationId xmlns:a16="http://schemas.microsoft.com/office/drawing/2014/main" id="{15AEA1DA-E96F-5294-EA29-355D9F006F49}"/>
               </a:ext>
             </a:extLst>
           </p:cNvPr>
@@ -2286,7 +2286,7 @@
           <p:cNvPr id="4" name="文本占位符 3">
             <a:extLst>
               <a:ext uri="{FF2B5EF4-FFF2-40B4-BE49-F238E27FC236}">
-                <a16:creationId xmlns:a16="http://schemas.microsoft.com/office/drawing/2014/main" id="{D42EF8A3-2698-51C1-0EBB-9CA48C5EB743}"/>
+                <a16:creationId xmlns:a16="http://schemas.microsoft.com/office/drawing/2014/main" id="{DEB479A1-4DCB-06AA-6E61-04213840C945}"/>
               </a:ext>
             </a:extLst>
           </p:cNvPr>
@@ -2357,7 +2357,7 @@
           <p:cNvPr id="5" name="日期占位符 4">
             <a:extLst>
               <a:ext uri="{FF2B5EF4-FFF2-40B4-BE49-F238E27FC236}">
-                <a16:creationId xmlns:a16="http://schemas.microsoft.com/office/drawing/2014/main" id="{8C62BB04-BF0E-E047-4D46-D1BB6C133BC3}"/>
+                <a16:creationId xmlns:a16="http://schemas.microsoft.com/office/drawing/2014/main" id="{B6E6660D-B6E5-7CB4-B340-54DB93C68AF0}"/>
               </a:ext>
             </a:extLst>
           </p:cNvPr>
@@ -2373,7 +2373,7 @@
           <a:bodyPr/>
           <a:lstStyle/>
           <a:p>
-            <a:fld id="{5E5CC060-C9C6-4055-984A-A6BEF8A3E462}" type="datetimeFigureOut">
+            <a:fld id="{C9EADE5E-1D11-4406-8AE1-0248CC22CFC1}" type="datetimeFigureOut">
               <a:rPr lang="zh-CN" altLang="en-US" smtClean="0"/>
               <a:t>2024/3/10</a:t>
             </a:fld>
@@ -2386,7 +2386,7 @@
           <p:cNvPr id="6" name="页脚占位符 5">
             <a:extLst>
               <a:ext uri="{FF2B5EF4-FFF2-40B4-BE49-F238E27FC236}">
-                <a16:creationId xmlns:a16="http://schemas.microsoft.com/office/drawing/2014/main" id="{952ADFC3-7DD2-389B-7A6A-A5B7C7D7B634}"/>
+                <a16:creationId xmlns:a16="http://schemas.microsoft.com/office/drawing/2014/main" id="{2A8B4606-846A-7C13-FB7E-44228ADE6696}"/>
               </a:ext>
             </a:extLst>
           </p:cNvPr>
@@ -2411,7 +2411,7 @@
           <p:cNvPr id="7" name="灯片编号占位符 6">
             <a:extLst>
               <a:ext uri="{FF2B5EF4-FFF2-40B4-BE49-F238E27FC236}">
-                <a16:creationId xmlns:a16="http://schemas.microsoft.com/office/drawing/2014/main" id="{8FE8407E-58D0-968E-343F-1AFBD587E2AC}"/>
+                <a16:creationId xmlns:a16="http://schemas.microsoft.com/office/drawing/2014/main" id="{6DF48DC2-88FC-FB83-43C8-FFED32AD36C7}"/>
               </a:ext>
             </a:extLst>
           </p:cNvPr>
@@ -2427,7 +2427,7 @@
           <a:bodyPr/>
           <a:lstStyle/>
           <a:p>
-            <a:fld id="{518E3721-F7D6-426E-BCFC-052B419EE919}" type="slidenum">
+            <a:fld id="{5644EF4D-34D1-4024-AFA2-9D9A844FD90C}" type="slidenum">
               <a:rPr lang="zh-CN" altLang="en-US" smtClean="0"/>
               <a:t>‹#›</a:t>
             </a:fld>
@@ -2438,7 +2438,7 @@
     </p:spTree>
     <p:extLst>
       <p:ext uri="{BB962C8B-B14F-4D97-AF65-F5344CB8AC3E}">
-        <p14:creationId xmlns:p14="http://schemas.microsoft.com/office/powerpoint/2010/main" val="3642766333"/>
+        <p14:creationId xmlns:p14="http://schemas.microsoft.com/office/powerpoint/2010/main" val="3863893264"/>
       </p:ext>
     </p:extLst>
   </p:cSld>
@@ -2470,7 +2470,7 @@
           <p:cNvPr id="2" name="标题 1">
             <a:extLst>
               <a:ext uri="{FF2B5EF4-FFF2-40B4-BE49-F238E27FC236}">
-                <a16:creationId xmlns:a16="http://schemas.microsoft.com/office/drawing/2014/main" id="{50EE8755-009A-5ECE-4AFC-F0EB7442DCFC}"/>
+                <a16:creationId xmlns:a16="http://schemas.microsoft.com/office/drawing/2014/main" id="{27930129-7C5B-6392-E759-7A8EABE53D97}"/>
               </a:ext>
             </a:extLst>
           </p:cNvPr>
@@ -2507,7 +2507,7 @@
           <p:cNvPr id="3" name="图片占位符 2">
             <a:extLst>
               <a:ext uri="{FF2B5EF4-FFF2-40B4-BE49-F238E27FC236}">
-                <a16:creationId xmlns:a16="http://schemas.microsoft.com/office/drawing/2014/main" id="{DA8F9177-3C1F-DE09-A36E-EBF92A8B3D99}"/>
+                <a16:creationId xmlns:a16="http://schemas.microsoft.com/office/drawing/2014/main" id="{BF40A43C-9718-DC5B-B339-F127395AA5D2}"/>
               </a:ext>
             </a:extLst>
           </p:cNvPr>
@@ -2574,7 +2574,7 @@
           <p:cNvPr id="4" name="文本占位符 3">
             <a:extLst>
               <a:ext uri="{FF2B5EF4-FFF2-40B4-BE49-F238E27FC236}">
-                <a16:creationId xmlns:a16="http://schemas.microsoft.com/office/drawing/2014/main" id="{50EF3346-8A94-A0E8-CA02-2E02818CA4A6}"/>
+                <a16:creationId xmlns:a16="http://schemas.microsoft.com/office/drawing/2014/main" id="{D8E56ED3-ED42-4D4A-3654-C7818A70B2B6}"/>
               </a:ext>
             </a:extLst>
           </p:cNvPr>
@@ -2645,7 +2645,7 @@
           <p:cNvPr id="5" name="日期占位符 4">
             <a:extLst>
               <a:ext uri="{FF2B5EF4-FFF2-40B4-BE49-F238E27FC236}">
-                <a16:creationId xmlns:a16="http://schemas.microsoft.com/office/drawing/2014/main" id="{2706F3E9-0BB1-7CD5-B553-DDE620D18C11}"/>
+                <a16:creationId xmlns:a16="http://schemas.microsoft.com/office/drawing/2014/main" id="{A9CB3C8E-753F-1AF4-D75A-24BFC9524A24}"/>
               </a:ext>
             </a:extLst>
           </p:cNvPr>
@@ -2661,7 +2661,7 @@
           <a:bodyPr/>
           <a:lstStyle/>
           <a:p>
-            <a:fld id="{5E5CC060-C9C6-4055-984A-A6BEF8A3E462}" type="datetimeFigureOut">
+            <a:fld id="{C9EADE5E-1D11-4406-8AE1-0248CC22CFC1}" type="datetimeFigureOut">
               <a:rPr lang="zh-CN" altLang="en-US" smtClean="0"/>
               <a:t>2024/3/10</a:t>
             </a:fld>
@@ -2674,7 +2674,7 @@
           <p:cNvPr id="6" name="页脚占位符 5">
             <a:extLst>
               <a:ext uri="{FF2B5EF4-FFF2-40B4-BE49-F238E27FC236}">
-                <a16:creationId xmlns:a16="http://schemas.microsoft.com/office/drawing/2014/main" id="{90CE2B99-F516-3AD0-9F40-A6782DBFD247}"/>
+                <a16:creationId xmlns:a16="http://schemas.microsoft.com/office/drawing/2014/main" id="{175BD6AA-BD87-1160-A05B-6AE423056E51}"/>
               </a:ext>
             </a:extLst>
           </p:cNvPr>
@@ -2699,7 +2699,7 @@
           <p:cNvPr id="7" name="灯片编号占位符 6">
             <a:extLst>
               <a:ext uri="{FF2B5EF4-FFF2-40B4-BE49-F238E27FC236}">
-                <a16:creationId xmlns:a16="http://schemas.microsoft.com/office/drawing/2014/main" id="{50C81D39-5B79-8880-DC6E-B3A53F7E6D72}"/>
+                <a16:creationId xmlns:a16="http://schemas.microsoft.com/office/drawing/2014/main" id="{8A3E6E80-7A33-0661-F5A6-299FC5A9F18D}"/>
               </a:ext>
             </a:extLst>
           </p:cNvPr>
@@ -2715,7 +2715,7 @@
           <a:bodyPr/>
           <a:lstStyle/>
           <a:p>
-            <a:fld id="{518E3721-F7D6-426E-BCFC-052B419EE919}" type="slidenum">
+            <a:fld id="{5644EF4D-34D1-4024-AFA2-9D9A844FD90C}" type="slidenum">
               <a:rPr lang="zh-CN" altLang="en-US" smtClean="0"/>
               <a:t>‹#›</a:t>
             </a:fld>
@@ -2726,7 +2726,7 @@
     </p:spTree>
     <p:extLst>
       <p:ext uri="{BB962C8B-B14F-4D97-AF65-F5344CB8AC3E}">
-        <p14:creationId xmlns:p14="http://schemas.microsoft.com/office/powerpoint/2010/main" val="1001981972"/>
+        <p14:creationId xmlns:p14="http://schemas.microsoft.com/office/powerpoint/2010/main" val="825863569"/>
       </p:ext>
     </p:extLst>
   </p:cSld>
@@ -2763,7 +2763,7 @@
           <p:cNvPr id="2" name="标题占位符 1">
             <a:extLst>
               <a:ext uri="{FF2B5EF4-FFF2-40B4-BE49-F238E27FC236}">
-                <a16:creationId xmlns:a16="http://schemas.microsoft.com/office/drawing/2014/main" id="{C2BFD00B-9ED4-8258-A143-226F135A22D5}"/>
+                <a16:creationId xmlns:a16="http://schemas.microsoft.com/office/drawing/2014/main" id="{D40AEE9F-77FD-2FCE-0173-56652ADBAAB0}"/>
               </a:ext>
             </a:extLst>
           </p:cNvPr>
@@ -2801,7 +2801,7 @@
           <p:cNvPr id="3" name="文本占位符 2">
             <a:extLst>
               <a:ext uri="{FF2B5EF4-FFF2-40B4-BE49-F238E27FC236}">
-                <a16:creationId xmlns:a16="http://schemas.microsoft.com/office/drawing/2014/main" id="{709E0627-669E-3D13-D8CB-56C1C81EFD43}"/>
+                <a16:creationId xmlns:a16="http://schemas.microsoft.com/office/drawing/2014/main" id="{3B15F4B3-8998-8F2B-C08A-5303331803EB}"/>
               </a:ext>
             </a:extLst>
           </p:cNvPr>
@@ -2868,7 +2868,7 @@
           <p:cNvPr id="4" name="日期占位符 3">
             <a:extLst>
               <a:ext uri="{FF2B5EF4-FFF2-40B4-BE49-F238E27FC236}">
-                <a16:creationId xmlns:a16="http://schemas.microsoft.com/office/drawing/2014/main" id="{3C872FBF-D017-B4BD-FFCB-BA88AB96EE8C}"/>
+                <a16:creationId xmlns:a16="http://schemas.microsoft.com/office/drawing/2014/main" id="{18DB152E-2865-393E-8EB0-E99CA4DADB76}"/>
               </a:ext>
             </a:extLst>
           </p:cNvPr>
@@ -2902,7 +2902,7 @@
             </a:lvl1pPr>
           </a:lstStyle>
           <a:p>
-            <a:fld id="{5E5CC060-C9C6-4055-984A-A6BEF8A3E462}" type="datetimeFigureOut">
+            <a:fld id="{C9EADE5E-1D11-4406-8AE1-0248CC22CFC1}" type="datetimeFigureOut">
               <a:rPr lang="zh-CN" altLang="en-US" smtClean="0"/>
               <a:t>2024/3/10</a:t>
             </a:fld>
@@ -2915,7 +2915,7 @@
           <p:cNvPr id="5" name="页脚占位符 4">
             <a:extLst>
               <a:ext uri="{FF2B5EF4-FFF2-40B4-BE49-F238E27FC236}">
-                <a16:creationId xmlns:a16="http://schemas.microsoft.com/office/drawing/2014/main" id="{72FA242A-6D27-D48C-CCF3-6BF576F3D54B}"/>
+                <a16:creationId xmlns:a16="http://schemas.microsoft.com/office/drawing/2014/main" id="{98E104A5-FF14-83F1-30BB-E1CF7C53DA2B}"/>
               </a:ext>
             </a:extLst>
           </p:cNvPr>
@@ -2958,7 +2958,7 @@
           <p:cNvPr id="6" name="灯片编号占位符 5">
             <a:extLst>
               <a:ext uri="{FF2B5EF4-FFF2-40B4-BE49-F238E27FC236}">
-                <a16:creationId xmlns:a16="http://schemas.microsoft.com/office/drawing/2014/main" id="{D070C618-A4BC-90AD-BF43-09B03BD36DE0}"/>
+                <a16:creationId xmlns:a16="http://schemas.microsoft.com/office/drawing/2014/main" id="{A3B8110E-B0A9-12D7-D707-B99B59220757}"/>
               </a:ext>
             </a:extLst>
           </p:cNvPr>
@@ -2992,7 +2992,7 @@
             </a:lvl1pPr>
           </a:lstStyle>
           <a:p>
-            <a:fld id="{518E3721-F7D6-426E-BCFC-052B419EE919}" type="slidenum">
+            <a:fld id="{5644EF4D-34D1-4024-AFA2-9D9A844FD90C}" type="slidenum">
               <a:rPr lang="zh-CN" altLang="en-US" smtClean="0"/>
               <a:t>‹#›</a:t>
             </a:fld>
@@ -3003,7 +3003,7 @@
     </p:spTree>
     <p:extLst>
       <p:ext uri="{BB962C8B-B14F-4D97-AF65-F5344CB8AC3E}">
-        <p14:creationId xmlns:p14="http://schemas.microsoft.com/office/powerpoint/2010/main" val="3293567557"/>
+        <p14:creationId xmlns:p14="http://schemas.microsoft.com/office/powerpoint/2010/main" val="898555329"/>
       </p:ext>
     </p:extLst>
   </p:cSld>
@@ -3323,7 +3323,7 @@
       </p:grpSpPr>
       <p:pic>
         <p:nvPicPr>
-          <p:cNvPr id="329730" name="Picture 2" descr="321"/>
+          <p:cNvPr id="330754" name="Picture 2" descr="322"/>
           <p:cNvPicPr>
             <a:picLocks noChangeAspect="1" noChangeArrowheads="1"/>
           </p:cNvPicPr>
@@ -3375,158 +3375,11 @@
           </a:extLst>
         </p:spPr>
       </p:pic>
-      <p:pic>
-        <p:nvPicPr>
-          <p:cNvPr id="330755" name="Picture 3" descr="321-2"/>
-          <p:cNvPicPr>
-            <a:picLocks noChangeAspect="1" noChangeArrowheads="1"/>
-          </p:cNvPicPr>
-          <p:nvPr/>
-        </p:nvPicPr>
-        <p:blipFill>
-          <a:blip r:embed="rId3">
-            <a:extLst>
-              <a:ext uri="{28A0092B-C50C-407E-A947-70E740481C1C}">
-                <a14:useLocalDpi xmlns:a14="http://schemas.microsoft.com/office/drawing/2010/main" val="0"/>
-              </a:ext>
-            </a:extLst>
-          </a:blip>
-          <a:srcRect/>
-          <a:stretch>
-            <a:fillRect/>
-          </a:stretch>
-        </p:blipFill>
-        <p:spPr bwMode="auto">
-          <a:xfrm>
-            <a:off x="1524000" y="0"/>
-            <a:ext cx="9144000" cy="6858000"/>
-          </a:xfrm>
-          <a:prstGeom prst="rect">
-            <a:avLst/>
-          </a:prstGeom>
-          <a:noFill/>
-          <a:ln>
-            <a:noFill/>
-          </a:ln>
-          <a:effectLst/>
-          <a:extLst>
-            <a:ext uri="{909E8E84-426E-40DD-AFC4-6F175D3DCCD1}">
-              <a14:hiddenFill xmlns:a14="http://schemas.microsoft.com/office/drawing/2010/main">
-                <a:solidFill>
-                  <a:srgbClr val="FFFFFF"/>
-                </a:solidFill>
-              </a14:hiddenFill>
-            </a:ext>
-            <a:ext uri="{91240B29-F687-4F45-9708-019B960494DF}">
-              <a14:hiddenLine xmlns:a14="http://schemas.microsoft.com/office/drawing/2010/main" w="9525">
-                <a:solidFill>
-                  <a:srgbClr val="000000"/>
-                </a:solidFill>
-                <a:miter lim="800000"/>
-                <a:headEnd/>
-                <a:tailEnd/>
-              </a14:hiddenLine>
-            </a:ext>
-            <a:ext uri="{AF507438-7753-43E0-B8FC-AC1667EBCBE1}">
-              <a14:hiddenEffects xmlns:a14="http://schemas.microsoft.com/office/drawing/2010/main">
-                <a:effectLst>
-                  <a:outerShdw dist="35921" dir="2700000" algn="ctr" rotWithShape="0">
-                    <a:srgbClr val="808080"/>
-                  </a:outerShdw>
-                </a:effectLst>
-              </a14:hiddenEffects>
-            </a:ext>
-          </a:extLst>
-        </p:spPr>
-      </p:pic>
     </p:spTree>
   </p:cSld>
   <p:clrMapOvr>
     <a:masterClrMapping/>
   </p:clrMapOvr>
-  <p:timing>
-    <p:tnLst>
-      <p:par>
-        <p:cTn id="1" dur="indefinite" restart="never" nodeType="tmRoot">
-          <p:childTnLst>
-            <p:seq concurrent="1" nextAc="seek">
-              <p:cTn id="2" dur="indefinite" nodeType="mainSeq">
-                <p:childTnLst>
-                  <p:par>
-                    <p:cTn id="3" fill="hold" nodeType="clickPar">
-                      <p:stCondLst>
-                        <p:cond delay="indefinite"/>
-                      </p:stCondLst>
-                      <p:childTnLst>
-                        <p:par>
-                          <p:cTn id="4" fill="hold" nodeType="withGroup">
-                            <p:stCondLst>
-                              <p:cond delay="0"/>
-                            </p:stCondLst>
-                            <p:childTnLst>
-                              <p:par>
-                                <p:cTn id="5" presetID="10" presetClass="entr" presetSubtype="0" fill="hold" nodeType="clickEffect">
-                                  <p:stCondLst>
-                                    <p:cond delay="0"/>
-                                  </p:stCondLst>
-                                  <p:childTnLst>
-                                    <p:set>
-                                      <p:cBhvr>
-                                        <p:cTn id="6" dur="1" fill="hold">
-                                          <p:stCondLst>
-                                            <p:cond delay="0"/>
-                                          </p:stCondLst>
-                                        </p:cTn>
-                                        <p:tgtEl>
-                                          <p:spTgt spid="330755"/>
-                                        </p:tgtEl>
-                                        <p:attrNameLst>
-                                          <p:attrName>style.visibility</p:attrName>
-                                        </p:attrNameLst>
-                                      </p:cBhvr>
-                                      <p:to>
-                                        <p:strVal val="visible"/>
-                                      </p:to>
-                                    </p:set>
-                                    <p:animEffect transition="in" filter="fade">
-                                      <p:cBhvr>
-                                        <p:cTn id="7" dur="500"/>
-                                        <p:tgtEl>
-                                          <p:spTgt spid="330755"/>
-                                        </p:tgtEl>
-                                      </p:cBhvr>
-                                    </p:animEffect>
-                                  </p:childTnLst>
-                                </p:cTn>
-                              </p:par>
-                            </p:childTnLst>
-                          </p:cTn>
-                        </p:par>
-                      </p:childTnLst>
-                    </p:cTn>
-                  </p:par>
-                </p:childTnLst>
-              </p:cTn>
-              <p:prevCondLst>
-                <p:cond evt="onPrev" delay="0">
-                  <p:tgtEl>
-                    <p:sldTgt/>
-                  </p:tgtEl>
-                </p:cond>
-              </p:prevCondLst>
-              <p:nextCondLst>
-                <p:cond evt="onNext" delay="0">
-                  <p:tgtEl>
-                    <p:sldTgt/>
-                  </p:tgtEl>
-                </p:cond>
-              </p:nextCondLst>
-            </p:seq>
-          </p:childTnLst>
-        </p:cTn>
-      </p:par>
-    </p:tnLst>
-  </p:timing>
 </p:sld>
 </file>
 
